--- a/Kolorowanie.pptx
+++ b/Kolorowanie.pptx
@@ -5,7 +5,7 @@
     <p:sldMasterId id="2147483660" r:id="rId4"/>
   </p:sldMasterIdLst>
   <p:notesMasterIdLst>
-    <p:notesMasterId r:id="rId20"/>
+    <p:notesMasterId r:id="rId22"/>
   </p:notesMasterIdLst>
   <p:sldIdLst>
     <p:sldId id="266" r:id="rId5"/>
@@ -22,7 +22,9 @@
     <p:sldId id="319" r:id="rId16"/>
     <p:sldId id="320" r:id="rId17"/>
     <p:sldId id="321" r:id="rId18"/>
-    <p:sldId id="322" r:id="rId19"/>
+    <p:sldId id="323" r:id="rId19"/>
+    <p:sldId id="324" r:id="rId20"/>
+    <p:sldId id="322" r:id="rId21"/>
   </p:sldIdLst>
   <p:sldSz cx="12192000" cy="6858000"/>
   <p:notesSz cx="6858000" cy="9144000"/>
@@ -132,7 +134,7 @@
 <file path=ppt/revisionInfo.xml><?xml version="1.0" encoding="utf-8"?>
 <p1510:revInfo xmlns:a="http://schemas.openxmlformats.org/drawingml/2006/main" xmlns:r="http://schemas.openxmlformats.org/officeDocument/2006/relationships" xmlns:p1510="http://schemas.microsoft.com/office/powerpoint/2015/10/main">
   <p1510:revLst>
-    <p1510:client id="{F931A52C-27BB-4369-8836-7359135B78AC}" v="325" dt="2022-06-03T06:55:08.702"/>
+    <p1510:client id="{F931A52C-27BB-4369-8836-7359135B78AC}" v="327" dt="2022-06-03T07:56:26.424"/>
   </p1510:revLst>
 </p1510:revInfo>
 </file>
@@ -142,7 +144,7 @@
   <pc:docChgLst>
     <pc:chgData name="Vitalii Morskyi" userId="a9a28404614d818a" providerId="LiveId" clId="{F931A52C-27BB-4369-8836-7359135B78AC}"/>
     <pc:docChg chg="undo redo custSel addSld delSld modSld addSection delSection">
-      <pc:chgData name="Vitalii Morskyi" userId="a9a28404614d818a" providerId="LiveId" clId="{F931A52C-27BB-4369-8836-7359135B78AC}" dt="2022-06-03T06:56:24.300" v="1982" actId="20577"/>
+      <pc:chgData name="Vitalii Morskyi" userId="a9a28404614d818a" providerId="LiveId" clId="{F931A52C-27BB-4369-8836-7359135B78AC}" dt="2022-06-03T07:56:26.971" v="2022" actId="1076"/>
       <pc:docMkLst>
         <pc:docMk/>
       </pc:docMkLst>
@@ -866,6 +868,100 @@
           </ac:picMkLst>
         </pc:picChg>
       </pc:sldChg>
+      <pc:sldChg chg="new del">
+        <pc:chgData name="Vitalii Morskyi" userId="a9a28404614d818a" providerId="LiveId" clId="{F931A52C-27BB-4369-8836-7359135B78AC}" dt="2022-06-03T07:56:06.085" v="1984" actId="680"/>
+        <pc:sldMkLst>
+          <pc:docMk/>
+          <pc:sldMk cId="1083917328" sldId="323"/>
+        </pc:sldMkLst>
+      </pc:sldChg>
+      <pc:sldChg chg="addSp delSp modSp new mod">
+        <pc:chgData name="Vitalii Morskyi" userId="a9a28404614d818a" providerId="LiveId" clId="{F931A52C-27BB-4369-8836-7359135B78AC}" dt="2022-06-03T07:56:26.971" v="2022" actId="1076"/>
+        <pc:sldMkLst>
+          <pc:docMk/>
+          <pc:sldMk cId="3596251434" sldId="323"/>
+        </pc:sldMkLst>
+        <pc:spChg chg="mod">
+          <ac:chgData name="Vitalii Morskyi" userId="a9a28404614d818a" providerId="LiveId" clId="{F931A52C-27BB-4369-8836-7359135B78AC}" dt="2022-06-03T07:56:21.621" v="2015" actId="20577"/>
+          <ac:spMkLst>
+            <pc:docMk/>
+            <pc:sldMk cId="3596251434" sldId="323"/>
+            <ac:spMk id="2" creationId="{0E488019-0E14-84A9-B979-556DCD812664}"/>
+          </ac:spMkLst>
+        </pc:spChg>
+        <pc:spChg chg="del">
+          <ac:chgData name="Vitalii Morskyi" userId="a9a28404614d818a" providerId="LiveId" clId="{F931A52C-27BB-4369-8836-7359135B78AC}" dt="2022-06-03T07:56:23.863" v="2016"/>
+          <ac:spMkLst>
+            <pc:docMk/>
+            <pc:sldMk cId="3596251434" sldId="323"/>
+            <ac:spMk id="3" creationId="{4F4D00BF-0911-997A-7276-AA040314009F}"/>
+          </ac:spMkLst>
+        </pc:spChg>
+        <pc:spChg chg="del">
+          <ac:chgData name="Vitalii Morskyi" userId="a9a28404614d818a" providerId="LiveId" clId="{F931A52C-27BB-4369-8836-7359135B78AC}" dt="2022-06-03T07:56:26.423" v="2019"/>
+          <ac:spMkLst>
+            <pc:docMk/>
+            <pc:sldMk cId="3596251434" sldId="323"/>
+            <ac:spMk id="4" creationId="{CC5D2CC4-9C40-C471-AD3B-AD9201274541}"/>
+          </ac:spMkLst>
+        </pc:spChg>
+        <pc:picChg chg="add mod">
+          <ac:chgData name="Vitalii Morskyi" userId="a9a28404614d818a" providerId="LiveId" clId="{F931A52C-27BB-4369-8836-7359135B78AC}" dt="2022-06-03T07:56:24.385" v="2018" actId="962"/>
+          <ac:picMkLst>
+            <pc:docMk/>
+            <pc:sldMk cId="3596251434" sldId="323"/>
+            <ac:picMk id="6" creationId="{6E0FD793-34E7-0747-AA0A-41419F84F7D8}"/>
+          </ac:picMkLst>
+        </pc:picChg>
+        <pc:picChg chg="add mod">
+          <ac:chgData name="Vitalii Morskyi" userId="a9a28404614d818a" providerId="LiveId" clId="{F931A52C-27BB-4369-8836-7359135B78AC}" dt="2022-06-03T07:56:26.971" v="2022" actId="1076"/>
+          <ac:picMkLst>
+            <pc:docMk/>
+            <pc:sldMk cId="3596251434" sldId="323"/>
+            <ac:picMk id="8" creationId="{18A7F494-4D08-372B-460D-358E3EB35EFD}"/>
+          </ac:picMkLst>
+        </pc:picChg>
+      </pc:sldChg>
+    </pc:docChg>
+  </pc:docChgLst>
+  <pc:docChgLst>
+    <pc:chgData name="Vitalii Morskyi" userId="a9a28404614d818a" providerId="LiveId" clId="{410EDC24-4505-4593-B482-54C80EC74C62}"/>
+    <pc:docChg chg="undo custSel addSld modSld">
+      <pc:chgData name="Vitalii Morskyi" userId="a9a28404614d818a" providerId="LiveId" clId="{410EDC24-4505-4593-B482-54C80EC74C62}" dt="2022-06-03T09:08:32.122" v="60" actId="20577"/>
+      <pc:docMkLst>
+        <pc:docMk/>
+      </pc:docMkLst>
+      <pc:sldChg chg="addSp delSp modSp new mod">
+        <pc:chgData name="Vitalii Morskyi" userId="a9a28404614d818a" providerId="LiveId" clId="{410EDC24-4505-4593-B482-54C80EC74C62}" dt="2022-06-03T09:08:32.122" v="60" actId="20577"/>
+        <pc:sldMkLst>
+          <pc:docMk/>
+          <pc:sldMk cId="2172099842" sldId="324"/>
+        </pc:sldMkLst>
+        <pc:spChg chg="mod">
+          <ac:chgData name="Vitalii Morskyi" userId="a9a28404614d818a" providerId="LiveId" clId="{410EDC24-4505-4593-B482-54C80EC74C62}" dt="2022-06-03T09:08:32.122" v="60" actId="20577"/>
+          <ac:spMkLst>
+            <pc:docMk/>
+            <pc:sldMk cId="2172099842" sldId="324"/>
+            <ac:spMk id="2" creationId="{93D2DF63-599F-1CA8-31A5-1F89653EF5A4}"/>
+          </ac:spMkLst>
+        </pc:spChg>
+        <pc:spChg chg="del">
+          <ac:chgData name="Vitalii Morskyi" userId="a9a28404614d818a" providerId="LiveId" clId="{410EDC24-4505-4593-B482-54C80EC74C62}" dt="2022-06-03T09:07:58.338" v="57" actId="22"/>
+          <ac:spMkLst>
+            <pc:docMk/>
+            <pc:sldMk cId="2172099842" sldId="324"/>
+            <ac:spMk id="3" creationId="{F948985A-6E4E-3D6E-A4D8-82E150BE41DC}"/>
+          </ac:spMkLst>
+        </pc:spChg>
+        <pc:picChg chg="add mod ord">
+          <ac:chgData name="Vitalii Morskyi" userId="a9a28404614d818a" providerId="LiveId" clId="{410EDC24-4505-4593-B482-54C80EC74C62}" dt="2022-06-03T09:07:58.338" v="57" actId="22"/>
+          <ac:picMkLst>
+            <pc:docMk/>
+            <pc:sldMk cId="2172099842" sldId="324"/>
+            <ac:picMk id="5" creationId="{F01556F0-83EC-40DA-1B53-66AB1671E6DE}"/>
+          </ac:picMkLst>
+        </pc:picChg>
+      </pc:sldChg>
     </pc:docChg>
   </pc:docChgLst>
 </pc:chgInfo>
@@ -5040,8 +5136,8 @@
           </a:p>
         </p:txBody>
       </p:sp>
-      <mc:AlternateContent xmlns:mc="http://schemas.openxmlformats.org/markup-compatibility/2006">
-        <mc:Choice xmlns:a14="http://schemas.microsoft.com/office/drawing/2010/main" Requires="a14">
+      <mc:AlternateContent xmlns:mc="http://schemas.openxmlformats.org/markup-compatibility/2006" xmlns:a14="http://schemas.microsoft.com/office/drawing/2010/main">
+        <mc:Choice Requires="a14">
           <p:sp>
             <p:nvSpPr>
               <p:cNvPr id="3" name="Content Placeholder 2">
@@ -5068,7 +5164,6 @@
               <a:bodyPr/>
               <a:lstStyle/>
               <a:p>
-                <a:pPr/>
                 <a14:m>
                   <m:oMath xmlns:m="http://schemas.openxmlformats.org/officeDocument/2006/math">
                     <m:r>
@@ -5354,7 +5449,7 @@
             </p:txBody>
           </p:sp>
         </mc:Choice>
-        <mc:Fallback>
+        <mc:Fallback xmlns="">
           <p:sp>
             <p:nvSpPr>
               <p:cNvPr id="3" name="Content Placeholder 2">
@@ -5574,8 +5669,8 @@
           </a:p>
         </p:txBody>
       </p:sp>
-      <mc:AlternateContent xmlns:mc="http://schemas.openxmlformats.org/markup-compatibility/2006">
-        <mc:Choice xmlns:a14="http://schemas.microsoft.com/office/drawing/2010/main" Requires="a14">
+      <mc:AlternateContent xmlns:mc="http://schemas.openxmlformats.org/markup-compatibility/2006" xmlns:a14="http://schemas.microsoft.com/office/drawing/2010/main">
+        <mc:Choice Requires="a14">
           <p:sp>
             <p:nvSpPr>
               <p:cNvPr id="3" name="Content Placeholder 2">
@@ -6100,7 +6195,7 @@
             </p:txBody>
           </p:sp>
         </mc:Choice>
-        <mc:Fallback>
+        <mc:Fallback xmlns="">
           <p:sp>
             <p:nvSpPr>
               <p:cNvPr id="3" name="Content Placeholder 2">
@@ -6340,6 +6435,210 @@
 </file>
 
 <file path=ppt/slides/slide15.xml><?xml version="1.0" encoding="utf-8"?>
+<p:sld xmlns:a="http://schemas.openxmlformats.org/drawingml/2006/main" xmlns:r="http://schemas.openxmlformats.org/officeDocument/2006/relationships" xmlns:p="http://schemas.openxmlformats.org/presentationml/2006/main">
+  <p:cSld>
+    <p:spTree>
+      <p:nvGrpSpPr>
+        <p:cNvPr id="1" name=""/>
+        <p:cNvGrpSpPr/>
+        <p:nvPr/>
+      </p:nvGrpSpPr>
+      <p:grpSpPr>
+        <a:xfrm>
+          <a:off x="0" y="0"/>
+          <a:ext cx="0" cy="0"/>
+          <a:chOff x="0" y="0"/>
+          <a:chExt cx="0" cy="0"/>
+        </a:xfrm>
+      </p:grpSpPr>
+      <p:sp>
+        <p:nvSpPr>
+          <p:cNvPr id="2" name="Title 1">
+            <a:extLst>
+              <a:ext uri="{FF2B5EF4-FFF2-40B4-BE49-F238E27FC236}">
+                <a16:creationId xmlns:a16="http://schemas.microsoft.com/office/drawing/2014/main" id="{0E488019-0E14-84A9-B979-556DCD812664}"/>
+              </a:ext>
+            </a:extLst>
+          </p:cNvPr>
+          <p:cNvSpPr>
+            <a:spLocks noGrp="1"/>
+          </p:cNvSpPr>
+          <p:nvPr>
+            <p:ph type="title"/>
+          </p:nvPr>
+        </p:nvSpPr>
+        <p:spPr/>
+        <p:txBody>
+          <a:bodyPr/>
+          <a:lstStyle/>
+          <a:p>
+            <a:r>
+              <a:rPr lang="pl-PL" dirty="0"/>
+              <a:t>Rozwiązanie</a:t>
+            </a:r>
+            <a:endParaRPr lang="en-US" dirty="0"/>
+          </a:p>
+        </p:txBody>
+      </p:sp>
+      <p:pic>
+        <p:nvPicPr>
+          <p:cNvPr id="6" name="Content Placeholder 5" descr="A picture containing line chart&#10;&#10;Description automatically generated">
+            <a:extLst>
+              <a:ext uri="{FF2B5EF4-FFF2-40B4-BE49-F238E27FC236}">
+                <a16:creationId xmlns:a16="http://schemas.microsoft.com/office/drawing/2014/main" id="{6E0FD793-34E7-0747-AA0A-41419F84F7D8}"/>
+              </a:ext>
+            </a:extLst>
+          </p:cNvPr>
+          <p:cNvPicPr>
+            <a:picLocks noGrp="1" noChangeAspect="1"/>
+          </p:cNvPicPr>
+          <p:nvPr>
+            <p:ph sz="half" idx="1"/>
+          </p:nvPr>
+        </p:nvPicPr>
+        <p:blipFill>
+          <a:blip r:embed="rId2"/>
+          <a:stretch>
+            <a:fillRect/>
+          </a:stretch>
+        </p:blipFill>
+        <p:spPr>
+          <a:xfrm>
+            <a:off x="1096963" y="2245853"/>
+            <a:ext cx="4640262" cy="3498182"/>
+          </a:xfrm>
+        </p:spPr>
+      </p:pic>
+      <p:pic>
+        <p:nvPicPr>
+          <p:cNvPr id="8" name="Content Placeholder 7" descr="Shape&#10;&#10;Description automatically generated with low confidence">
+            <a:extLst>
+              <a:ext uri="{FF2B5EF4-FFF2-40B4-BE49-F238E27FC236}">
+                <a16:creationId xmlns:a16="http://schemas.microsoft.com/office/drawing/2014/main" id="{18A7F494-4D08-372B-460D-358E3EB35EFD}"/>
+              </a:ext>
+            </a:extLst>
+          </p:cNvPr>
+          <p:cNvPicPr>
+            <a:picLocks noGrp="1" noChangeAspect="1"/>
+          </p:cNvPicPr>
+          <p:nvPr>
+            <p:ph sz="half" idx="2"/>
+          </p:nvPr>
+        </p:nvPicPr>
+        <p:blipFill>
+          <a:blip r:embed="rId3"/>
+          <a:stretch>
+            <a:fillRect/>
+          </a:stretch>
+        </p:blipFill>
+        <p:spPr>
+          <a:xfrm>
+            <a:off x="6517005" y="2247050"/>
+            <a:ext cx="4638675" cy="3496985"/>
+          </a:xfrm>
+        </p:spPr>
+      </p:pic>
+    </p:spTree>
+    <p:extLst>
+      <p:ext uri="{BB962C8B-B14F-4D97-AF65-F5344CB8AC3E}">
+        <p14:creationId xmlns:p14="http://schemas.microsoft.com/office/powerpoint/2010/main" val="3596251434"/>
+      </p:ext>
+    </p:extLst>
+  </p:cSld>
+  <p:clrMapOvr>
+    <a:masterClrMapping/>
+  </p:clrMapOvr>
+</p:sld>
+</file>
+
+<file path=ppt/slides/slide16.xml><?xml version="1.0" encoding="utf-8"?>
+<p:sld xmlns:a="http://schemas.openxmlformats.org/drawingml/2006/main" xmlns:r="http://schemas.openxmlformats.org/officeDocument/2006/relationships" xmlns:p="http://schemas.openxmlformats.org/presentationml/2006/main">
+  <p:cSld>
+    <p:spTree>
+      <p:nvGrpSpPr>
+        <p:cNvPr id="1" name=""/>
+        <p:cNvGrpSpPr/>
+        <p:nvPr/>
+      </p:nvGrpSpPr>
+      <p:grpSpPr>
+        <a:xfrm>
+          <a:off x="0" y="0"/>
+          <a:ext cx="0" cy="0"/>
+          <a:chOff x="0" y="0"/>
+          <a:chExt cx="0" cy="0"/>
+        </a:xfrm>
+      </p:grpSpPr>
+      <p:sp>
+        <p:nvSpPr>
+          <p:cNvPr id="2" name="Title 1">
+            <a:extLst>
+              <a:ext uri="{FF2B5EF4-FFF2-40B4-BE49-F238E27FC236}">
+                <a16:creationId xmlns:a16="http://schemas.microsoft.com/office/drawing/2014/main" id="{93D2DF63-599F-1CA8-31A5-1F89653EF5A4}"/>
+              </a:ext>
+            </a:extLst>
+          </p:cNvPr>
+          <p:cNvSpPr>
+            <a:spLocks noGrp="1"/>
+          </p:cNvSpPr>
+          <p:nvPr>
+            <p:ph type="title"/>
+          </p:nvPr>
+        </p:nvSpPr>
+        <p:spPr/>
+        <p:txBody>
+          <a:bodyPr/>
+          <a:lstStyle/>
+          <a:p>
+            <a:r>
+              <a:rPr lang="pl-PL" dirty="0"/>
+              <a:t>Implementacja na GPU</a:t>
+            </a:r>
+          </a:p>
+        </p:txBody>
+      </p:sp>
+      <p:pic>
+        <p:nvPicPr>
+          <p:cNvPr id="5" name="Content Placeholder 4">
+            <a:extLst>
+              <a:ext uri="{FF2B5EF4-FFF2-40B4-BE49-F238E27FC236}">
+                <a16:creationId xmlns:a16="http://schemas.microsoft.com/office/drawing/2014/main" id="{F01556F0-83EC-40DA-1B53-66AB1671E6DE}"/>
+              </a:ext>
+            </a:extLst>
+          </p:cNvPr>
+          <p:cNvPicPr>
+            <a:picLocks noGrp="1" noChangeAspect="1"/>
+          </p:cNvPicPr>
+          <p:nvPr>
+            <p:ph idx="1"/>
+          </p:nvPr>
+        </p:nvPicPr>
+        <p:blipFill>
+          <a:blip r:embed="rId2"/>
+          <a:stretch>
+            <a:fillRect/>
+          </a:stretch>
+        </p:blipFill>
+        <p:spPr>
+          <a:xfrm>
+            <a:off x="2883358" y="2108200"/>
+            <a:ext cx="6485610" cy="3760788"/>
+          </a:xfrm>
+        </p:spPr>
+      </p:pic>
+    </p:spTree>
+    <p:extLst>
+      <p:ext uri="{BB962C8B-B14F-4D97-AF65-F5344CB8AC3E}">
+        <p14:creationId xmlns:p14="http://schemas.microsoft.com/office/powerpoint/2010/main" val="2172099842"/>
+      </p:ext>
+    </p:extLst>
+  </p:cSld>
+  <p:clrMapOvr>
+    <a:masterClrMapping/>
+  </p:clrMapOvr>
+</p:sld>
+</file>
+
+<file path=ppt/slides/slide17.xml><?xml version="1.0" encoding="utf-8"?>
 <p:sld xmlns:a="http://schemas.openxmlformats.org/drawingml/2006/main" xmlns:r="http://schemas.openxmlformats.org/officeDocument/2006/relationships" xmlns:p="http://schemas.openxmlformats.org/presentationml/2006/main">
   <p:cSld>
     <p:spTree>
@@ -8154,24 +8453,6 @@
 </file>
 
 <file path=customXml/item1.xml><?xml version="1.0" encoding="utf-8"?>
-<p:properties xmlns:p="http://schemas.microsoft.com/office/2006/metadata/properties" xmlns:xsi="http://www.w3.org/2001/XMLSchema-instance" xmlns:pc="http://schemas.microsoft.com/office/infopath/2007/PartnerControls">
-  <documentManagement>
-    <Status xmlns="71af3243-3dd4-4a8d-8c0d-dd76da1f02a5">Not started</Status>
-    <MediaServiceKeyPoints xmlns="71af3243-3dd4-4a8d-8c0d-dd76da1f02a5" xsi:nil="true"/>
-  </documentManagement>
-</p:properties>
-</file>
-
-<file path=customXml/item2.xml><?xml version="1.0" encoding="utf-8"?>
-<?mso-contentType ?>
-<FormTemplates xmlns="http://schemas.microsoft.com/sharepoint/v3/contenttype/forms">
-  <Display>DocumentLibraryForm</Display>
-  <Edit>DocumentLibraryForm</Edit>
-  <New>DocumentLibraryForm</New>
-</FormTemplates>
-</file>
-
-<file path=customXml/item3.xml><?xml version="1.0" encoding="utf-8"?>
 <ct:contentTypeSchema xmlns:ct="http://schemas.microsoft.com/office/2006/metadata/contentType" xmlns:ma="http://schemas.microsoft.com/office/2006/metadata/properties/metaAttributes" ct:_="" ma:_="" ma:contentTypeName="Document" ma:contentTypeID="0x01010079F111ED35F8CC479449609E8A0923A6" ma:contentTypeVersion="12" ma:contentTypeDescription="Create a new document." ma:contentTypeScope="" ma:versionID="a410dd7f93c95333ffa1b60ed6adedd1">
   <xsd:schema xmlns:xsd="http://www.w3.org/2001/XMLSchema" xmlns:xs="http://www.w3.org/2001/XMLSchema" xmlns:p="http://schemas.microsoft.com/office/2006/metadata/properties" xmlns:ns2="71af3243-3dd4-4a8d-8c0d-dd76da1f02a5" xmlns:ns3="16c05727-aa75-4e4a-9b5f-8a80a1165891" targetNamespace="http://schemas.microsoft.com/office/2006/metadata/properties" ma:root="true" ma:fieldsID="a936d9baba76aa3866493feff160faab" ns2:_="" ns3:_="">
     <xsd:import namespace="71af3243-3dd4-4a8d-8c0d-dd76da1f02a5"/>
@@ -8392,25 +8673,25 @@
 </ct:contentTypeSchema>
 </file>
 
-<file path=customXml/itemProps1.xml><?xml version="1.0" encoding="utf-8"?>
-<ds:datastoreItem xmlns:ds="http://schemas.openxmlformats.org/officeDocument/2006/customXml" ds:itemID="{8F3CD65D-61A5-43C9-A837-6EC73C7DA8AB}">
-  <ds:schemaRefs>
-    <ds:schemaRef ds:uri="http://schemas.microsoft.com/office/2006/metadata/properties"/>
-    <ds:schemaRef ds:uri="http://schemas.microsoft.com/office/infopath/2007/PartnerControls"/>
-    <ds:schemaRef ds:uri="71af3243-3dd4-4a8d-8c0d-dd76da1f02a5"/>
-  </ds:schemaRefs>
-</ds:datastoreItem>
+<file path=customXml/item2.xml><?xml version="1.0" encoding="utf-8"?>
+<p:properties xmlns:p="http://schemas.microsoft.com/office/2006/metadata/properties" xmlns:xsi="http://www.w3.org/2001/XMLSchema-instance" xmlns:pc="http://schemas.microsoft.com/office/infopath/2007/PartnerControls">
+  <documentManagement>
+    <Status xmlns="71af3243-3dd4-4a8d-8c0d-dd76da1f02a5">Not started</Status>
+    <MediaServiceKeyPoints xmlns="71af3243-3dd4-4a8d-8c0d-dd76da1f02a5" xsi:nil="true"/>
+  </documentManagement>
+</p:properties>
 </file>
 
-<file path=customXml/itemProps2.xml><?xml version="1.0" encoding="utf-8"?>
-<ds:datastoreItem xmlns:ds="http://schemas.openxmlformats.org/officeDocument/2006/customXml" ds:itemID="{31F006B4-A9E1-4F39-85C8-FB836F919348}">
-  <ds:schemaRefs>
-    <ds:schemaRef ds:uri="http://schemas.microsoft.com/sharepoint/v3/contenttype/forms"/>
-  </ds:schemaRefs>
-</ds:datastoreItem>
+<file path=customXml/item3.xml><?xml version="1.0" encoding="utf-8"?>
+<?mso-contentType ?>
+<FormTemplates xmlns="http://schemas.microsoft.com/sharepoint/v3/contenttype/forms">
+  <Display>DocumentLibraryForm</Display>
+  <Edit>DocumentLibraryForm</Edit>
+  <New>DocumentLibraryForm</New>
+</FormTemplates>
 </file>
 
-<file path=customXml/itemProps3.xml><?xml version="1.0" encoding="utf-8"?>
+<file path=customXml/itemProps1.xml><?xml version="1.0" encoding="utf-8"?>
 <ds:datastoreItem xmlns:ds="http://schemas.openxmlformats.org/officeDocument/2006/customXml" ds:itemID="{16377351-63A1-4C2E-8C9A-66CDD70F16AC}">
   <ds:schemaRefs>
     <ds:schemaRef ds:uri="http://schemas.microsoft.com/office/2006/metadata/contentType"/>
@@ -8427,4 +8708,29 @@
     <ds:schemaRef ds:uri="http://schemas.microsoft.com/internal/obd"/>
   </ds:schemaRefs>
 </ds:datastoreItem>
+</file>
+
+<file path=customXml/itemProps2.xml><?xml version="1.0" encoding="utf-8"?>
+<ds:datastoreItem xmlns:ds="http://schemas.openxmlformats.org/officeDocument/2006/customXml" ds:itemID="{8F3CD65D-61A5-43C9-A837-6EC73C7DA8AB}">
+  <ds:schemaRefs>
+    <ds:schemaRef ds:uri="http://schemas.microsoft.com/office/2006/metadata/properties"/>
+    <ds:schemaRef ds:uri="http://schemas.microsoft.com/office/infopath/2007/PartnerControls"/>
+    <ds:schemaRef ds:uri="http://purl.org/dc/elements/1.1/"/>
+    <ds:schemaRef ds:uri="http://schemas.openxmlformats.org/package/2006/metadata/core-properties"/>
+    <ds:schemaRef ds:uri="http://www.w3.org/XML/1998/namespace"/>
+    <ds:schemaRef ds:uri="http://purl.org/dc/dcmitype/"/>
+    <ds:schemaRef ds:uri="http://schemas.microsoft.com/office/2006/documentManagement/types"/>
+    <ds:schemaRef ds:uri="http://purl.org/dc/terms/"/>
+    <ds:schemaRef ds:uri="16c05727-aa75-4e4a-9b5f-8a80a1165891"/>
+    <ds:schemaRef ds:uri="71af3243-3dd4-4a8d-8c0d-dd76da1f02a5"/>
+  </ds:schemaRefs>
+</ds:datastoreItem>
+</file>
+
+<file path=customXml/itemProps3.xml><?xml version="1.0" encoding="utf-8"?>
+<ds:datastoreItem xmlns:ds="http://schemas.openxmlformats.org/officeDocument/2006/customXml" ds:itemID="{31F006B4-A9E1-4F39-85C8-FB836F919348}">
+  <ds:schemaRefs>
+    <ds:schemaRef ds:uri="http://schemas.microsoft.com/sharepoint/v3/contenttype/forms"/>
+  </ds:schemaRefs>
+</ds:datastoreItem>
 </file>